--- a/MongoDB Collections Diagrams.pptx
+++ b/MongoDB Collections Diagrams.pptx
@@ -6,6 +6,7 @@
   </p:sldMasterIdLst>
   <p:sldIdLst>
     <p:sldId id="256" r:id="rId5"/>
+    <p:sldId id="257" r:id="rId6"/>
   </p:sldIdLst>
   <p:sldSz cx="12192000" cy="6858000"/>
   <p:notesSz cx="6858000" cy="9144000"/>
@@ -507,7 +508,7 @@
           <a:p>
             <a:fld id="{846CE7D5-CF57-46EF-B807-FDD0502418D4}" type="datetimeFigureOut">
               <a:rPr lang="en-US" smtClean="0"/>
-              <a:t>10/11/2022</a:t>
+              <a:t>10/13/2022</a:t>
             </a:fld>
             <a:endParaRPr lang="en-US"/>
           </a:p>
@@ -675,7 +676,7 @@
           <a:p>
             <a:fld id="{846CE7D5-CF57-46EF-B807-FDD0502418D4}" type="datetimeFigureOut">
               <a:rPr lang="en-US" smtClean="0"/>
-              <a:t>10/11/2022</a:t>
+              <a:t>10/13/2022</a:t>
             </a:fld>
             <a:endParaRPr lang="en-US"/>
           </a:p>
@@ -853,7 +854,7 @@
           <a:p>
             <a:fld id="{846CE7D5-CF57-46EF-B807-FDD0502418D4}" type="datetimeFigureOut">
               <a:rPr lang="en-US" smtClean="0"/>
-              <a:t>10/11/2022</a:t>
+              <a:t>10/13/2022</a:t>
             </a:fld>
             <a:endParaRPr lang="en-US"/>
           </a:p>
@@ -1021,7 +1022,7 @@
           <a:p>
             <a:fld id="{846CE7D5-CF57-46EF-B807-FDD0502418D4}" type="datetimeFigureOut">
               <a:rPr lang="en-US" smtClean="0"/>
-              <a:t>10/11/2022</a:t>
+              <a:t>10/13/2022</a:t>
             </a:fld>
             <a:endParaRPr lang="en-US"/>
           </a:p>
@@ -1266,7 +1267,7 @@
           <a:p>
             <a:fld id="{846CE7D5-CF57-46EF-B807-FDD0502418D4}" type="datetimeFigureOut">
               <a:rPr lang="en-US" smtClean="0"/>
-              <a:t>10/11/2022</a:t>
+              <a:t>10/13/2022</a:t>
             </a:fld>
             <a:endParaRPr lang="en-US"/>
           </a:p>
@@ -1495,7 +1496,7 @@
           <a:p>
             <a:fld id="{846CE7D5-CF57-46EF-B807-FDD0502418D4}" type="datetimeFigureOut">
               <a:rPr lang="en-US" smtClean="0"/>
-              <a:t>10/11/2022</a:t>
+              <a:t>10/13/2022</a:t>
             </a:fld>
             <a:endParaRPr lang="en-US"/>
           </a:p>
@@ -1859,7 +1860,7 @@
           <a:p>
             <a:fld id="{846CE7D5-CF57-46EF-B807-FDD0502418D4}" type="datetimeFigureOut">
               <a:rPr lang="en-US" smtClean="0"/>
-              <a:t>10/11/2022</a:t>
+              <a:t>10/13/2022</a:t>
             </a:fld>
             <a:endParaRPr lang="en-US"/>
           </a:p>
@@ -1976,7 +1977,7 @@
           <a:p>
             <a:fld id="{846CE7D5-CF57-46EF-B807-FDD0502418D4}" type="datetimeFigureOut">
               <a:rPr lang="en-US" smtClean="0"/>
-              <a:t>10/11/2022</a:t>
+              <a:t>10/13/2022</a:t>
             </a:fld>
             <a:endParaRPr lang="en-US"/>
           </a:p>
@@ -2071,7 +2072,7 @@
           <a:p>
             <a:fld id="{846CE7D5-CF57-46EF-B807-FDD0502418D4}" type="datetimeFigureOut">
               <a:rPr lang="en-US" smtClean="0"/>
-              <a:t>10/11/2022</a:t>
+              <a:t>10/13/2022</a:t>
             </a:fld>
             <a:endParaRPr lang="en-US"/>
           </a:p>
@@ -2346,7 +2347,7 @@
           <a:p>
             <a:fld id="{846CE7D5-CF57-46EF-B807-FDD0502418D4}" type="datetimeFigureOut">
               <a:rPr lang="en-US" smtClean="0"/>
-              <a:t>10/11/2022</a:t>
+              <a:t>10/13/2022</a:t>
             </a:fld>
             <a:endParaRPr lang="en-US"/>
           </a:p>
@@ -2601,7 +2602,7 @@
           <a:p>
             <a:fld id="{846CE7D5-CF57-46EF-B807-FDD0502418D4}" type="datetimeFigureOut">
               <a:rPr lang="en-US" smtClean="0"/>
-              <a:t>10/11/2022</a:t>
+              <a:t>10/13/2022</a:t>
             </a:fld>
             <a:endParaRPr lang="en-US"/>
           </a:p>
@@ -2812,7 +2813,7 @@
           <a:p>
             <a:fld id="{846CE7D5-CF57-46EF-B807-FDD0502418D4}" type="datetimeFigureOut">
               <a:rPr lang="en-US" smtClean="0"/>
-              <a:t>10/11/2022</a:t>
+              <a:t>10/13/2022</a:t>
             </a:fld>
             <a:endParaRPr lang="en-US"/>
           </a:p>
@@ -3232,14 +3233,14 @@
           <p:nvPr>
             <p:extLst>
               <p:ext uri="{D42A27DB-BD31-4B8C-83A1-F6EECF244321}">
-                <p14:modId xmlns:p14="http://schemas.microsoft.com/office/powerpoint/2010/main" val="3640769439"/>
+                <p14:modId xmlns:p14="http://schemas.microsoft.com/office/powerpoint/2010/main" val="3540813293"/>
               </p:ext>
             </p:extLst>
           </p:nvPr>
         </p:nvGraphicFramePr>
         <p:xfrm>
-          <a:off x="313114" y="207679"/>
-          <a:ext cx="9840125" cy="1981200"/>
+          <a:off x="313114" y="678471"/>
+          <a:ext cx="10182823" cy="1981200"/>
         </p:xfrm>
         <a:graphic>
           <a:graphicData uri="http://schemas.openxmlformats.org/drawingml/2006/table">
@@ -3248,21 +3249,21 @@
                 <a:tableStyleId>{5C22544A-7EE6-4342-B048-85BDC9FD1C3A}</a:tableStyleId>
               </a:tblPr>
               <a:tblGrid>
-                <a:gridCol w="1080983">
+                <a:gridCol w="897255">
                   <a:extLst>
                     <a:ext uri="{9D8B030D-6E8A-4147-A177-3AD203B41FA5}">
                       <a16:colId xmlns:a16="http://schemas.microsoft.com/office/drawing/2014/main" val="2298673432"/>
                     </a:ext>
                   </a:extLst>
                 </a:gridCol>
-                <a:gridCol w="1287642">
+                <a:gridCol w="1390968">
                   <a:extLst>
                     <a:ext uri="{9D8B030D-6E8A-4147-A177-3AD203B41FA5}">
                       <a16:colId xmlns:a16="http://schemas.microsoft.com/office/drawing/2014/main" val="178476958"/>
                     </a:ext>
                   </a:extLst>
                 </a:gridCol>
-                <a:gridCol w="1255849">
+                <a:gridCol w="1370330">
                   <a:extLst>
                     <a:ext uri="{9D8B030D-6E8A-4147-A177-3AD203B41FA5}">
                       <a16:colId xmlns:a16="http://schemas.microsoft.com/office/drawing/2014/main" val="1469420014"/>
@@ -3276,28 +3277,28 @@
                     </a:ext>
                   </a:extLst>
                 </a:gridCol>
-                <a:gridCol w="1096879">
+                <a:gridCol w="1410018">
                   <a:extLst>
                     <a:ext uri="{9D8B030D-6E8A-4147-A177-3AD203B41FA5}">
                       <a16:colId xmlns:a16="http://schemas.microsoft.com/office/drawing/2014/main" val="2834875260"/>
                     </a:ext>
                   </a:extLst>
                 </a:gridCol>
-                <a:gridCol w="1255849">
+                <a:gridCol w="1375093">
                   <a:extLst>
                     <a:ext uri="{9D8B030D-6E8A-4147-A177-3AD203B41FA5}">
                       <a16:colId xmlns:a16="http://schemas.microsoft.com/office/drawing/2014/main" val="720561321"/>
                     </a:ext>
                   </a:extLst>
                 </a:gridCol>
-                <a:gridCol w="987135">
+                <a:gridCol w="1082993">
                   <a:extLst>
                     <a:ext uri="{9D8B030D-6E8A-4147-A177-3AD203B41FA5}">
                       <a16:colId xmlns:a16="http://schemas.microsoft.com/office/drawing/2014/main" val="3115803176"/>
                     </a:ext>
                   </a:extLst>
                 </a:gridCol>
-                <a:gridCol w="912090">
+                <a:gridCol w="692468">
                   <a:extLst>
                     <a:ext uri="{9D8B030D-6E8A-4147-A177-3AD203B41FA5}">
                       <a16:colId xmlns:a16="http://schemas.microsoft.com/office/drawing/2014/main" val="2793421620"/>
@@ -3319,19 +3320,19 @@
                     <a:lstStyle/>
                     <a:p>
                       <a:pPr fontAlgn="t"/>
-                      <a:endParaRPr lang="en-US">
+                      <a:endParaRPr lang="en-US" dirty="0">
                         <a:effectLst/>
                       </a:endParaRPr>
                     </a:p>
                     <a:p>
                       <a:pPr rtl="0" fontAlgn="base"/>
                       <a:r>
-                        <a:rPr lang="en-US" sz="1100">
+                        <a:rPr lang="en-US" sz="1100" dirty="0">
                           <a:effectLst/>
                         </a:rPr>
                         <a:t>User ID: Int </a:t>
                       </a:r>
-                      <a:endParaRPr lang="en-US">
+                      <a:endParaRPr lang="en-US" dirty="0">
                         <a:effectLst/>
                       </a:endParaRPr>
                     </a:p>
@@ -3418,25 +3419,25 @@
                     <a:lstStyle/>
                     <a:p>
                       <a:pPr algn="ctr" fontAlgn="t"/>
-                      <a:endParaRPr lang="en-US">
+                      <a:endParaRPr lang="en-US" dirty="0">
                         <a:effectLst/>
                       </a:endParaRPr>
                     </a:p>
                     <a:p>
                       <a:pPr rtl="0" fontAlgn="base"/>
                       <a:r>
-                        <a:rPr lang="en-US" sz="1100" err="1">
+                        <a:rPr lang="en-US" sz="1100" dirty="0" err="1">
                           <a:effectLst/>
                         </a:rPr>
                         <a:t>ClassID</a:t>
                       </a:r>
                       <a:r>
-                        <a:rPr lang="en-US" sz="1100">
+                        <a:rPr lang="en-US" sz="1100" dirty="0">
                           <a:effectLst/>
                         </a:rPr>
                         <a:t>: Int </a:t>
                       </a:r>
-                      <a:endParaRPr lang="en-US">
+                      <a:endParaRPr lang="en-US" dirty="0">
                         <a:effectLst/>
                       </a:endParaRPr>
                     </a:p>
@@ -3449,31 +3450,31 @@
                     <a:lstStyle/>
                     <a:p>
                       <a:pPr algn="ctr" fontAlgn="t"/>
-                      <a:endParaRPr lang="en-US">
+                      <a:endParaRPr lang="en-US" dirty="0">
                         <a:effectLst/>
                       </a:endParaRPr>
                     </a:p>
                     <a:p>
                       <a:pPr rtl="0" fontAlgn="base"/>
                       <a:r>
-                        <a:rPr lang="en-US" sz="1100">
+                        <a:rPr lang="en-US" sz="1100" dirty="0">
                           <a:effectLst/>
                         </a:rPr>
                         <a:t> </a:t>
                       </a:r>
                       <a:r>
-                        <a:rPr lang="en-US" sz="1100" err="1">
+                        <a:rPr lang="en-US" sz="1100" dirty="0" err="1">
                           <a:effectLst/>
                         </a:rPr>
                         <a:t>HistoryClassID</a:t>
                       </a:r>
                       <a:r>
-                        <a:rPr lang="en-US" sz="1100">
+                        <a:rPr lang="en-US" sz="1100" dirty="0">
                           <a:effectLst/>
                         </a:rPr>
-                        <a:t>: Int </a:t>
+                        <a:t>*: Int </a:t>
                       </a:r>
-                      <a:endParaRPr lang="en-US">
+                      <a:endParaRPr lang="en-US" dirty="0">
                         <a:effectLst/>
                       </a:endParaRPr>
                     </a:p>
@@ -3486,25 +3487,19 @@
                     <a:lstStyle/>
                     <a:p>
                       <a:pPr algn="ctr" fontAlgn="t"/>
-                      <a:endParaRPr lang="en-US">
+                      <a:endParaRPr lang="en-US" dirty="0">
                         <a:effectLst/>
                       </a:endParaRPr>
                     </a:p>
                     <a:p>
                       <a:pPr rtl="0" fontAlgn="base"/>
                       <a:r>
-                        <a:rPr lang="en-US" sz="1100">
+                        <a:rPr lang="en-US" sz="1100" dirty="0">
                           <a:effectLst/>
                         </a:rPr>
-                        <a:t> Birthday: </a:t>
+                        <a:t> Birthday: Date</a:t>
                       </a:r>
-                      <a:r>
-                        <a:rPr lang="en-US" sz="1100" err="1">
-                          <a:effectLst/>
-                        </a:rPr>
-                        <a:t>DateTime</a:t>
-                      </a:r>
-                      <a:endParaRPr lang="en-US" err="1">
+                      <a:endParaRPr lang="en-US" dirty="0">
                         <a:effectLst/>
                       </a:endParaRPr>
                     </a:p>
@@ -4080,13 +4075,13 @@
                     <a:lstStyle/>
                     <a:p>
                       <a:pPr fontAlgn="t"/>
-                      <a:endParaRPr lang="en-US">
+                      <a:endParaRPr lang="en-US" dirty="0">
                         <a:effectLst/>
                       </a:endParaRPr>
                     </a:p>
                     <a:p>
                       <a:pPr rtl="0" fontAlgn="base"/>
-                      <a:endParaRPr lang="en-US">
+                      <a:endParaRPr lang="en-US" dirty="0">
                         <a:effectLst/>
                       </a:endParaRPr>
                     </a:p>
@@ -4118,14 +4113,14 @@
           <p:nvPr>
             <p:extLst>
               <p:ext uri="{D42A27DB-BD31-4B8C-83A1-F6EECF244321}">
-                <p14:modId xmlns:p14="http://schemas.microsoft.com/office/powerpoint/2010/main" val="990003026"/>
+                <p14:modId xmlns:p14="http://schemas.microsoft.com/office/powerpoint/2010/main" val="109719547"/>
               </p:ext>
             </p:extLst>
           </p:nvPr>
         </p:nvGraphicFramePr>
         <p:xfrm>
-          <a:off x="438778" y="3461457"/>
-          <a:ext cx="7241169" cy="1237672"/>
+          <a:off x="313114" y="4628253"/>
+          <a:ext cx="8250621" cy="1237672"/>
         </p:xfrm>
         <a:graphic>
           <a:graphicData uri="http://schemas.openxmlformats.org/drawingml/2006/table">
@@ -4141,21 +4136,21 @@
                     </a:ext>
                   </a:extLst>
                 </a:gridCol>
-                <a:gridCol w="1275771">
+                <a:gridCol w="1427480">
                   <a:extLst>
                     <a:ext uri="{9D8B030D-6E8A-4147-A177-3AD203B41FA5}">
                       <a16:colId xmlns:a16="http://schemas.microsoft.com/office/drawing/2014/main" val="1476072988"/>
                     </a:ext>
                   </a:extLst>
                 </a:gridCol>
-                <a:gridCol w="1275771">
+                <a:gridCol w="1746568">
                   <a:extLst>
                     <a:ext uri="{9D8B030D-6E8A-4147-A177-3AD203B41FA5}">
                       <a16:colId xmlns:a16="http://schemas.microsoft.com/office/drawing/2014/main" val="2650691372"/>
                     </a:ext>
                   </a:extLst>
                 </a:gridCol>
-                <a:gridCol w="1627909">
+                <a:gridCol w="2014855">
                   <a:extLst>
                     <a:ext uri="{9D8B030D-6E8A-4147-A177-3AD203B41FA5}">
                       <a16:colId xmlns:a16="http://schemas.microsoft.com/office/drawing/2014/main" val="2746074409"/>
@@ -4177,19 +4172,19 @@
                     <a:lstStyle/>
                     <a:p>
                       <a:pPr fontAlgn="t"/>
-                      <a:endParaRPr lang="en-US">
+                      <a:endParaRPr lang="en-US" dirty="0">
                         <a:effectLst/>
                       </a:endParaRPr>
                     </a:p>
                     <a:p>
                       <a:pPr rtl="0" fontAlgn="base"/>
                       <a:r>
-                        <a:rPr lang="en-US" sz="1100">
+                        <a:rPr lang="en-US" sz="1100" dirty="0">
                           <a:effectLst/>
                         </a:rPr>
                         <a:t>Class ID: Int </a:t>
                       </a:r>
-                      <a:endParaRPr lang="en-US">
+                      <a:endParaRPr lang="en-US" dirty="0">
                         <a:effectLst/>
                       </a:endParaRPr>
                     </a:p>
@@ -4277,19 +4272,37 @@
                     <a:lstStyle/>
                     <a:p>
                       <a:pPr algn="ctr" fontAlgn="t"/>
-                      <a:endParaRPr lang="en-US">
+                      <a:endParaRPr lang="en-US" dirty="0">
                         <a:effectLst/>
                       </a:endParaRPr>
                     </a:p>
                     <a:p>
                       <a:pPr rtl="0" fontAlgn="base"/>
                       <a:r>
-                        <a:rPr lang="en-US" sz="1100">
+                        <a:rPr lang="en-US" sz="1100" dirty="0" err="1">
                           <a:effectLst/>
                         </a:rPr>
-                        <a:t>ClassEndDateTime: DateTime </a:t>
+                        <a:t>ClassEndDateTime</a:t>
                       </a:r>
-                      <a:endParaRPr lang="en-US">
+                      <a:r>
+                        <a:rPr lang="en-US" sz="1100" dirty="0">
+                          <a:effectLst/>
+                        </a:rPr>
+                        <a:t>: </a:t>
+                      </a:r>
+                      <a:r>
+                        <a:rPr lang="en-US" sz="1100" dirty="0" err="1">
+                          <a:effectLst/>
+                        </a:rPr>
+                        <a:t>DateTime</a:t>
+                      </a:r>
+                      <a:r>
+                        <a:rPr lang="en-US" sz="1100" dirty="0">
+                          <a:effectLst/>
+                        </a:rPr>
+                        <a:t> </a:t>
+                      </a:r>
+                      <a:endParaRPr lang="en-US" dirty="0">
                         <a:effectLst/>
                       </a:endParaRPr>
                     </a:p>
@@ -4409,19 +4422,19 @@
                     <a:lstStyle/>
                     <a:p>
                       <a:pPr fontAlgn="t"/>
-                      <a:endParaRPr lang="en-US">
+                      <a:endParaRPr lang="en-US" dirty="0">
                         <a:effectLst/>
                       </a:endParaRPr>
                     </a:p>
                     <a:p>
                       <a:pPr rtl="0" fontAlgn="base"/>
                       <a:r>
-                        <a:rPr lang="en-US" sz="1100">
+                        <a:rPr lang="en-US" sz="1100" dirty="0">
                           <a:effectLst/>
                         </a:rPr>
                         <a:t> </a:t>
                       </a:r>
-                      <a:endParaRPr lang="en-US">
+                      <a:endParaRPr lang="en-US" dirty="0">
                         <a:effectLst/>
                       </a:endParaRPr>
                     </a:p>
@@ -4438,22 +4451,94 @@
           </a:graphicData>
         </a:graphic>
       </p:graphicFrame>
-      <p:cxnSp>
-        <p:nvCxnSpPr>
-          <p:cNvPr id="11" name="Straight Arrow Connector 10">
+      <p:sp>
+        <p:nvSpPr>
+          <p:cNvPr id="2" name="TextBox 1">
             <a:extLst>
               <a:ext uri="{FF2B5EF4-FFF2-40B4-BE49-F238E27FC236}">
-                <a16:creationId xmlns:a16="http://schemas.microsoft.com/office/drawing/2014/main" id="{9C0164E0-EB8E-94DB-00F1-5D002E8E98FB}"/>
+                <a16:creationId xmlns:a16="http://schemas.microsoft.com/office/drawing/2014/main" id="{08E52976-0DFD-6878-9E57-17EAF6F67468}"/>
               </a:ext>
             </a:extLst>
           </p:cNvPr>
-          <p:cNvCxnSpPr/>
+          <p:cNvSpPr txBox="1"/>
+          <p:nvPr/>
+        </p:nvSpPr>
+        <p:spPr>
+          <a:xfrm>
+            <a:off x="283821" y="4258921"/>
+            <a:ext cx="1435008" cy="400110"/>
+          </a:xfrm>
+          <a:prstGeom prst="rect">
+            <a:avLst/>
+          </a:prstGeom>
+          <a:noFill/>
+        </p:spPr>
+        <p:txBody>
+          <a:bodyPr wrap="none" rtlCol="0">
+            <a:spAutoFit/>
+          </a:bodyPr>
+          <a:lstStyle/>
+          <a:p>
+            <a:r>
+              <a:rPr lang="en-US" sz="2000" b="1" dirty="0"/>
+              <a:t>Collection 2</a:t>
+            </a:r>
+          </a:p>
+        </p:txBody>
+      </p:sp>
+      <p:sp>
+        <p:nvSpPr>
+          <p:cNvPr id="4" name="TextBox 3">
+            <a:extLst>
+              <a:ext uri="{FF2B5EF4-FFF2-40B4-BE49-F238E27FC236}">
+                <a16:creationId xmlns:a16="http://schemas.microsoft.com/office/drawing/2014/main" id="{12CF66F8-00FE-FBA5-09A9-2338A52A457A}"/>
+              </a:ext>
+            </a:extLst>
+          </p:cNvPr>
+          <p:cNvSpPr txBox="1"/>
+          <p:nvPr/>
+        </p:nvSpPr>
+        <p:spPr>
+          <a:xfrm>
+            <a:off x="313114" y="309139"/>
+            <a:ext cx="1435008" cy="400110"/>
+          </a:xfrm>
+          <a:prstGeom prst="rect">
+            <a:avLst/>
+          </a:prstGeom>
+          <a:noFill/>
+        </p:spPr>
+        <p:txBody>
+          <a:bodyPr wrap="none" rtlCol="0">
+            <a:spAutoFit/>
+          </a:bodyPr>
+          <a:lstStyle/>
+          <a:p>
+            <a:r>
+              <a:rPr lang="en-US" sz="2000" b="1" dirty="0"/>
+              <a:t>Collection 1</a:t>
+            </a:r>
+          </a:p>
+        </p:txBody>
+      </p:sp>
+      <p:cxnSp>
+        <p:nvCxnSpPr>
+          <p:cNvPr id="8" name="Straight Arrow Connector 7">
+            <a:extLst>
+              <a:ext uri="{FF2B5EF4-FFF2-40B4-BE49-F238E27FC236}">
+                <a16:creationId xmlns:a16="http://schemas.microsoft.com/office/drawing/2014/main" id="{8D856B3C-E2FF-6FDB-47BB-56C0968284C7}"/>
+              </a:ext>
+            </a:extLst>
+          </p:cNvPr>
+          <p:cNvCxnSpPr>
+            <a:cxnSpLocks/>
+          </p:cNvCxnSpPr>
           <p:nvPr/>
         </p:nvCxnSpPr>
         <p:spPr>
           <a:xfrm flipH="1">
-            <a:off x="1290674" y="2118463"/>
-            <a:ext cx="3134534" cy="1308314"/>
+            <a:off x="1423447" y="1234911"/>
+            <a:ext cx="2828042" cy="3619893"/>
           </a:xfrm>
           <a:prstGeom prst="straightConnector1">
             <a:avLst/>
@@ -4464,13 +4549,13 @@
         </p:spPr>
         <p:style>
           <a:lnRef idx="1">
-            <a:schemeClr val="accent1"/>
+            <a:schemeClr val="accent4"/>
           </a:lnRef>
           <a:fillRef idx="0">
-            <a:schemeClr val="accent1"/>
+            <a:schemeClr val="accent4"/>
           </a:fillRef>
           <a:effectRef idx="0">
-            <a:schemeClr val="accent1"/>
+            <a:schemeClr val="accent4"/>
           </a:effectRef>
           <a:fontRef idx="minor">
             <a:schemeClr val="tx1"/>
@@ -4479,10 +4564,10 @@
       </p:cxnSp>
       <p:cxnSp>
         <p:nvCxnSpPr>
-          <p:cNvPr id="12" name="Straight Arrow Connector 11">
+          <p:cNvPr id="15" name="Straight Arrow Connector 14">
             <a:extLst>
               <a:ext uri="{FF2B5EF4-FFF2-40B4-BE49-F238E27FC236}">
-                <a16:creationId xmlns:a16="http://schemas.microsoft.com/office/drawing/2014/main" id="{A7874DC5-98BF-91F7-0811-9903630EBF80}"/>
+                <a16:creationId xmlns:a16="http://schemas.microsoft.com/office/drawing/2014/main" id="{AC02F292-DD4E-ECE8-1712-4E6F250B91B3}"/>
               </a:ext>
             </a:extLst>
           </p:cNvPr>
@@ -4491,8 +4576,8 @@
         </p:nvCxnSpPr>
         <p:spPr>
           <a:xfrm flipH="1">
-            <a:off x="1298624" y="2119271"/>
-            <a:ext cx="4181354" cy="1291681"/>
+            <a:off x="1583703" y="1234911"/>
+            <a:ext cx="3742441" cy="3695308"/>
           </a:xfrm>
           <a:prstGeom prst="straightConnector1">
             <a:avLst/>
@@ -4503,13 +4588,13 @@
         </p:spPr>
         <p:style>
           <a:lnRef idx="1">
-            <a:schemeClr val="accent1"/>
+            <a:schemeClr val="accent4"/>
           </a:lnRef>
           <a:fillRef idx="0">
-            <a:schemeClr val="accent1"/>
+            <a:schemeClr val="accent4"/>
           </a:fillRef>
           <a:effectRef idx="0">
-            <a:schemeClr val="accent1"/>
+            <a:schemeClr val="accent4"/>
           </a:effectRef>
           <a:fontRef idx="minor">
             <a:schemeClr val="tx1"/>
@@ -4518,10 +4603,10 @@
       </p:cxnSp>
       <p:sp>
         <p:nvSpPr>
-          <p:cNvPr id="3" name="TextBox 2">
+          <p:cNvPr id="16" name="TextBox 15">
             <a:extLst>
               <a:ext uri="{FF2B5EF4-FFF2-40B4-BE49-F238E27FC236}">
-                <a16:creationId xmlns:a16="http://schemas.microsoft.com/office/drawing/2014/main" id="{FF6EB1B0-8A57-7C5C-4958-DB0EE1E8C961}"/>
+                <a16:creationId xmlns:a16="http://schemas.microsoft.com/office/drawing/2014/main" id="{07697AC1-6FCA-9DA0-BE8F-074EACF6023E}"/>
               </a:ext>
             </a:extLst>
           </p:cNvPr>
@@ -4530,7 +4615,80 @@
         </p:nvSpPr>
         <p:spPr>
           <a:xfrm>
-            <a:off x="8574767" y="3129642"/>
+            <a:off x="5938887" y="6488668"/>
+            <a:ext cx="6177973" cy="369332"/>
+          </a:xfrm>
+          <a:prstGeom prst="rect">
+            <a:avLst/>
+          </a:prstGeom>
+          <a:noFill/>
+        </p:spPr>
+        <p:txBody>
+          <a:bodyPr wrap="none" rtlCol="0">
+            <a:spAutoFit/>
+          </a:bodyPr>
+          <a:lstStyle/>
+          <a:p>
+            <a:r>
+              <a:rPr lang="en-US" dirty="0"/>
+              <a:t>*</a:t>
+            </a:r>
+            <a:r>
+              <a:rPr lang="en-US" dirty="0" err="1"/>
+              <a:t>HistoryClassID</a:t>
+            </a:r>
+            <a:r>
+              <a:rPr lang="en-US" dirty="0"/>
+              <a:t>: the ID’s of classes that the user took in the past</a:t>
+            </a:r>
+          </a:p>
+        </p:txBody>
+      </p:sp>
+    </p:spTree>
+    <p:extLst>
+      <p:ext uri="{BB962C8B-B14F-4D97-AF65-F5344CB8AC3E}">
+        <p14:creationId xmlns:p14="http://schemas.microsoft.com/office/powerpoint/2010/main" val="109857222"/>
+      </p:ext>
+    </p:extLst>
+  </p:cSld>
+  <p:clrMapOvr>
+    <a:masterClrMapping/>
+  </p:clrMapOvr>
+</p:sld>
+</file>
+
+<file path=ppt/slides/slide2.xml><?xml version="1.0" encoding="utf-8"?>
+<p:sld xmlns:a="http://schemas.openxmlformats.org/drawingml/2006/main" xmlns:r="http://schemas.openxmlformats.org/officeDocument/2006/relationships" xmlns:p="http://schemas.openxmlformats.org/presentationml/2006/main">
+  <p:cSld>
+    <p:spTree>
+      <p:nvGrpSpPr>
+        <p:cNvPr id="1" name=""/>
+        <p:cNvGrpSpPr/>
+        <p:nvPr/>
+      </p:nvGrpSpPr>
+      <p:grpSpPr>
+        <a:xfrm>
+          <a:off x="0" y="0"/>
+          <a:ext cx="0" cy="0"/>
+          <a:chOff x="0" y="0"/>
+          <a:chExt cx="0" cy="0"/>
+        </a:xfrm>
+      </p:grpSpPr>
+      <p:sp>
+        <p:nvSpPr>
+          <p:cNvPr id="2" name="TextBox 1">
+            <a:extLst>
+              <a:ext uri="{FF2B5EF4-FFF2-40B4-BE49-F238E27FC236}">
+                <a16:creationId xmlns:a16="http://schemas.microsoft.com/office/drawing/2014/main" id="{92271C90-1918-6CA3-58ED-A45014501C47}"/>
+              </a:ext>
+            </a:extLst>
+          </p:cNvPr>
+          <p:cNvSpPr txBox="1"/>
+          <p:nvPr/>
+        </p:nvSpPr>
+        <p:spPr>
+          <a:xfrm>
+            <a:off x="426561" y="626353"/>
             <a:ext cx="2041071" cy="2031325"/>
           </a:xfrm>
           <a:prstGeom prst="rect">
@@ -4548,7 +4706,7 @@
           <a:lstStyle/>
           <a:p>
             <a:r>
-              <a:rPr lang="en-US" b="1">
+              <a:rPr lang="en-US" b="1" dirty="0">
                 <a:cs typeface="Calibri"/>
               </a:rPr>
               <a:t>User id: string</a:t>
@@ -4556,7 +4714,7 @@
           </a:p>
           <a:p>
             <a:r>
-              <a:rPr lang="en-US" b="1">
+              <a:rPr lang="en-US" b="1" dirty="0">
                 <a:cs typeface="Calibri"/>
               </a:rPr>
               <a:t>Email:  string</a:t>
@@ -4564,13 +4722,13 @@
           </a:p>
           <a:p>
             <a:r>
-              <a:rPr lang="en-US" b="1" err="1">
+              <a:rPr lang="en-US" b="1" dirty="0" err="1">
                 <a:cs typeface="Calibri"/>
               </a:rPr>
               <a:t>Fname</a:t>
             </a:r>
             <a:r>
-              <a:rPr lang="en-US" b="1">
+              <a:rPr lang="en-US" b="1" dirty="0">
                 <a:cs typeface="Calibri"/>
               </a:rPr>
               <a:t>: string</a:t>
@@ -4578,13 +4736,13 @@
           </a:p>
           <a:p>
             <a:r>
-              <a:rPr lang="en-US" b="1" err="1">
+              <a:rPr lang="en-US" b="1" dirty="0" err="1">
                 <a:cs typeface="Calibri"/>
               </a:rPr>
               <a:t>Lname</a:t>
             </a:r>
             <a:r>
-              <a:rPr lang="en-US" b="1">
+              <a:rPr lang="en-US" b="1" dirty="0">
                 <a:cs typeface="Calibri"/>
               </a:rPr>
               <a:t>: string</a:t>
@@ -4592,13 +4750,13 @@
           </a:p>
           <a:p>
             <a:r>
-              <a:rPr lang="en-US" b="1" err="1">
+              <a:rPr lang="en-US" b="1" dirty="0" err="1">
                 <a:cs typeface="Calibri"/>
               </a:rPr>
               <a:t>Bday</a:t>
             </a:r>
             <a:r>
-              <a:rPr lang="en-US" b="1">
+              <a:rPr lang="en-US" b="1" dirty="0">
                 <a:cs typeface="Calibri"/>
               </a:rPr>
               <a:t>: date</a:t>
@@ -4606,23 +4764,58 @@
           </a:p>
           <a:p>
             <a:r>
-              <a:rPr lang="en-US" b="1">
+              <a:rPr lang="en-US" b="1" dirty="0">
                 <a:cs typeface="Calibri"/>
               </a:rPr>
               <a:t>Role: int</a:t>
             </a:r>
           </a:p>
           <a:p>
-            <a:endParaRPr lang="en-US">
+            <a:endParaRPr lang="en-US" dirty="0">
               <a:cs typeface="Calibri"/>
             </a:endParaRPr>
+          </a:p>
+        </p:txBody>
+      </p:sp>
+      <p:sp>
+        <p:nvSpPr>
+          <p:cNvPr id="3" name="TextBox 2">
+            <a:extLst>
+              <a:ext uri="{FF2B5EF4-FFF2-40B4-BE49-F238E27FC236}">
+                <a16:creationId xmlns:a16="http://schemas.microsoft.com/office/drawing/2014/main" id="{C5CF20C9-9D49-4FED-32CF-56FD65C89792}"/>
+              </a:ext>
+            </a:extLst>
+          </p:cNvPr>
+          <p:cNvSpPr txBox="1"/>
+          <p:nvPr/>
+        </p:nvSpPr>
+        <p:spPr>
+          <a:xfrm>
+            <a:off x="282804" y="226243"/>
+            <a:ext cx="2328586" cy="400110"/>
+          </a:xfrm>
+          <a:prstGeom prst="rect">
+            <a:avLst/>
+          </a:prstGeom>
+          <a:noFill/>
+        </p:spPr>
+        <p:txBody>
+          <a:bodyPr wrap="none" rtlCol="0">
+            <a:spAutoFit/>
+          </a:bodyPr>
+          <a:lstStyle/>
+          <a:p>
+            <a:r>
+              <a:rPr lang="en-US" sz="2000" b="1" dirty="0"/>
+              <a:t>Starting Collection 1</a:t>
+            </a:r>
           </a:p>
         </p:txBody>
       </p:sp>
     </p:spTree>
     <p:extLst>
       <p:ext uri="{BB962C8B-B14F-4D97-AF65-F5344CB8AC3E}">
-        <p14:creationId xmlns:p14="http://schemas.microsoft.com/office/powerpoint/2010/main" val="109857222"/>
+        <p14:creationId xmlns:p14="http://schemas.microsoft.com/office/powerpoint/2010/main" val="1005499685"/>
       </p:ext>
     </p:extLst>
   </p:cSld>
@@ -4894,14 +5087,12 @@
 </file>
 
 <file path=customXml/item1.xml><?xml version="1.0" encoding="utf-8"?>
-<p:properties xmlns:p="http://schemas.microsoft.com/office/2006/metadata/properties" xmlns:xsi="http://www.w3.org/2001/XMLSchema-instance" xmlns:pc="http://schemas.microsoft.com/office/infopath/2007/PartnerControls">
-  <documentManagement>
-    <TaxCatchAll xmlns="7229dbd6-438c-4362-93ee-383715cce5f6" xsi:nil="true"/>
-    <lcf76f155ced4ddcb4097134ff3c332f xmlns="1650ce25-36f5-49d9-a781-e04693d35547">
-      <Terms xmlns="http://schemas.microsoft.com/office/infopath/2007/PartnerControls"/>
-    </lcf76f155ced4ddcb4097134ff3c332f>
-  </documentManagement>
-</p:properties>
+<?mso-contentType ?>
+<FormTemplates xmlns="http://schemas.microsoft.com/sharepoint/v3/contenttype/forms">
+  <Display>DocumentLibraryForm</Display>
+  <Edit>DocumentLibraryForm</Edit>
+  <New>DocumentLibraryForm</New>
+</FormTemplates>
 </file>
 
 <file path=customXml/item2.xml><?xml version="1.0" encoding="utf-8"?>
@@ -5082,21 +5273,20 @@
 </file>
 
 <file path=customXml/item3.xml><?xml version="1.0" encoding="utf-8"?>
-<?mso-contentType ?>
-<FormTemplates xmlns="http://schemas.microsoft.com/sharepoint/v3/contenttype/forms">
-  <Display>DocumentLibraryForm</Display>
-  <Edit>DocumentLibraryForm</Edit>
-  <New>DocumentLibraryForm</New>
-</FormTemplates>
+<p:properties xmlns:p="http://schemas.microsoft.com/office/2006/metadata/properties" xmlns:xsi="http://www.w3.org/2001/XMLSchema-instance" xmlns:pc="http://schemas.microsoft.com/office/infopath/2007/PartnerControls">
+  <documentManagement>
+    <TaxCatchAll xmlns="7229dbd6-438c-4362-93ee-383715cce5f6" xsi:nil="true"/>
+    <lcf76f155ced4ddcb4097134ff3c332f xmlns="1650ce25-36f5-49d9-a781-e04693d35547">
+      <Terms xmlns="http://schemas.microsoft.com/office/infopath/2007/PartnerControls"/>
+    </lcf76f155ced4ddcb4097134ff3c332f>
+  </documentManagement>
+</p:properties>
 </file>
 
 <file path=customXml/itemProps1.xml><?xml version="1.0" encoding="utf-8"?>
-<ds:datastoreItem xmlns:ds="http://schemas.openxmlformats.org/officeDocument/2006/customXml" ds:itemID="{D81A097D-F090-4140-BB2E-0CABFA39C958}">
+<ds:datastoreItem xmlns:ds="http://schemas.openxmlformats.org/officeDocument/2006/customXml" ds:itemID="{2B1C50E1-B255-4D98-8BC8-6E4BDDB97D78}">
   <ds:schemaRefs>
-    <ds:schemaRef ds:uri="1650ce25-36f5-49d9-a781-e04693d35547"/>
-    <ds:schemaRef ds:uri="7229dbd6-438c-4362-93ee-383715cce5f6"/>
-    <ds:schemaRef ds:uri="http://schemas.microsoft.com/office/2006/metadata/properties"/>
-    <ds:schemaRef ds:uri="http://schemas.microsoft.com/office/infopath/2007/PartnerControls"/>
+    <ds:schemaRef ds:uri="http://schemas.microsoft.com/sharepoint/v3/contenttype/forms"/>
   </ds:schemaRefs>
 </ds:datastoreItem>
 </file>
@@ -5121,9 +5311,12 @@
 </file>
 
 <file path=customXml/itemProps3.xml><?xml version="1.0" encoding="utf-8"?>
-<ds:datastoreItem xmlns:ds="http://schemas.openxmlformats.org/officeDocument/2006/customXml" ds:itemID="{2B1C50E1-B255-4D98-8BC8-6E4BDDB97D78}">
+<ds:datastoreItem xmlns:ds="http://schemas.openxmlformats.org/officeDocument/2006/customXml" ds:itemID="{D81A097D-F090-4140-BB2E-0CABFA39C958}">
   <ds:schemaRefs>
-    <ds:schemaRef ds:uri="http://schemas.microsoft.com/sharepoint/v3/contenttype/forms"/>
+    <ds:schemaRef ds:uri="1650ce25-36f5-49d9-a781-e04693d35547"/>
+    <ds:schemaRef ds:uri="7229dbd6-438c-4362-93ee-383715cce5f6"/>
+    <ds:schemaRef ds:uri="http://schemas.microsoft.com/office/2006/metadata/properties"/>
+    <ds:schemaRef ds:uri="http://schemas.microsoft.com/office/infopath/2007/PartnerControls"/>
   </ds:schemaRefs>
 </ds:datastoreItem>
 </file>